--- a/resource/base-key.pptx
+++ b/resource/base-key.pptx
@@ -41,10 +41,10 @@
     </a:defPPr>
     <a:lvl1pPr marL="0" marR="0" indent="0" algn="ctr" defTabSz="1828800" rtl="0" fontAlgn="auto" latinLnBrk="0" hangingPunct="0">
       <a:lnSpc>
-        <a:spcPct val="160000"/>
+        <a:spcPts val="16000"/>
       </a:lnSpc>
       <a:spcBef>
-        <a:spcPts val="600"/>
+        <a:spcPts val="0"/>
       </a:spcBef>
       <a:spcAft>
         <a:spcPts val="0"/>
@@ -77,10 +77,10 @@
     </a:lvl1pPr>
     <a:lvl2pPr marL="0" marR="0" indent="457200" algn="ctr" defTabSz="1828800" rtl="0" fontAlgn="auto" latinLnBrk="0" hangingPunct="0">
       <a:lnSpc>
-        <a:spcPct val="160000"/>
+        <a:spcPts val="16000"/>
       </a:lnSpc>
       <a:spcBef>
-        <a:spcPts val="600"/>
+        <a:spcPts val="0"/>
       </a:spcBef>
       <a:spcAft>
         <a:spcPts val="0"/>
@@ -113,10 +113,10 @@
     </a:lvl2pPr>
     <a:lvl3pPr marL="0" marR="0" indent="914400" algn="ctr" defTabSz="1828800" rtl="0" fontAlgn="auto" latinLnBrk="0" hangingPunct="0">
       <a:lnSpc>
-        <a:spcPct val="160000"/>
+        <a:spcPts val="16000"/>
       </a:lnSpc>
       <a:spcBef>
-        <a:spcPts val="600"/>
+        <a:spcPts val="0"/>
       </a:spcBef>
       <a:spcAft>
         <a:spcPts val="0"/>
@@ -149,10 +149,10 @@
     </a:lvl3pPr>
     <a:lvl4pPr marL="0" marR="0" indent="1371600" algn="ctr" defTabSz="1828800" rtl="0" fontAlgn="auto" latinLnBrk="0" hangingPunct="0">
       <a:lnSpc>
-        <a:spcPct val="160000"/>
+        <a:spcPts val="16000"/>
       </a:lnSpc>
       <a:spcBef>
-        <a:spcPts val="600"/>
+        <a:spcPts val="0"/>
       </a:spcBef>
       <a:spcAft>
         <a:spcPts val="0"/>
@@ -185,10 +185,10 @@
     </a:lvl4pPr>
     <a:lvl5pPr marL="0" marR="0" indent="1828800" algn="ctr" defTabSz="1828800" rtl="0" fontAlgn="auto" latinLnBrk="0" hangingPunct="0">
       <a:lnSpc>
-        <a:spcPct val="160000"/>
+        <a:spcPts val="16000"/>
       </a:lnSpc>
       <a:spcBef>
-        <a:spcPts val="600"/>
+        <a:spcPts val="0"/>
       </a:spcBef>
       <a:spcAft>
         <a:spcPts val="0"/>
@@ -221,10 +221,10 @@
     </a:lvl5pPr>
     <a:lvl6pPr marL="3200400" marR="0" indent="-914400" algn="ctr" defTabSz="1828800" rtl="0" fontAlgn="auto" latinLnBrk="0" hangingPunct="0">
       <a:lnSpc>
-        <a:spcPct val="160000"/>
+        <a:spcPts val="16000"/>
       </a:lnSpc>
       <a:spcBef>
-        <a:spcPts val="600"/>
+        <a:spcPts val="0"/>
       </a:spcBef>
       <a:spcAft>
         <a:spcPts val="0"/>
@@ -257,10 +257,10 @@
     </a:lvl6pPr>
     <a:lvl7pPr marL="3657600" marR="0" indent="-914400" algn="ctr" defTabSz="1828800" rtl="0" fontAlgn="auto" latinLnBrk="0" hangingPunct="0">
       <a:lnSpc>
-        <a:spcPct val="160000"/>
+        <a:spcPts val="16000"/>
       </a:lnSpc>
       <a:spcBef>
-        <a:spcPts val="600"/>
+        <a:spcPts val="0"/>
       </a:spcBef>
       <a:spcAft>
         <a:spcPts val="0"/>
@@ -293,10 +293,10 @@
     </a:lvl7pPr>
     <a:lvl8pPr marL="4114800" marR="0" indent="-914400" algn="ctr" defTabSz="1828800" rtl="0" fontAlgn="auto" latinLnBrk="0" hangingPunct="0">
       <a:lnSpc>
-        <a:spcPct val="160000"/>
+        <a:spcPts val="16000"/>
       </a:lnSpc>
       <a:spcBef>
-        <a:spcPts val="600"/>
+        <a:spcPts val="0"/>
       </a:spcBef>
       <a:spcAft>
         <a:spcPts val="0"/>
@@ -329,10 +329,10 @@
     </a:lvl8pPr>
     <a:lvl9pPr marL="4572000" marR="0" indent="-914400" algn="ctr" defTabSz="1828800" rtl="0" fontAlgn="auto" latinLnBrk="0" hangingPunct="0">
       <a:lnSpc>
-        <a:spcPct val="160000"/>
+        <a:spcPts val="16000"/>
       </a:lnSpc>
       <a:spcBef>
-        <a:spcPts val="600"/>
+        <a:spcPts val="0"/>
       </a:spcBef>
       <a:spcAft>
         <a:spcPts val="0"/>
@@ -759,9 +759,6 @@
               <a:lnSpc>
                 <a:spcPct val="100000"/>
               </a:lnSpc>
-              <a:spcBef>
-                <a:spcPts val="0"/>
-              </a:spcBef>
               <a:defRPr sz="2400"/>
             </a:lvl1pPr>
           </a:lstStyle>
@@ -823,8 +820,8 @@
         </p:nvSpPr>
         <p:spPr>
           <a:xfrm>
-            <a:off x="760900" y="2667000"/>
-            <a:ext cx="22862200" cy="10160000"/>
+            <a:off x="760900" y="2286000"/>
+            <a:ext cx="22862200" cy="11430000"/>
           </a:xfrm>
           <a:prstGeom prst="rect">
             <a:avLst/>
@@ -842,12 +839,7 @@
           <a:bodyPr lIns="0" tIns="0" rIns="0" bIns="0">
             <a:normAutofit fontScale="100000" lnSpcReduction="0"/>
           </a:bodyPr>
-          <a:lstStyle>
-            <a:lvl2pPr indent="0"/>
-            <a:lvl3pPr indent="0"/>
-            <a:lvl4pPr indent="0"/>
-            <a:lvl5pPr indent="0"/>
-          </a:lstStyle>
+          <a:lstStyle/>
           <a:p>
             <a:pPr/>
             <a:r>
@@ -894,7 +886,7 @@
           <a:spcPct val="100000"/>
         </a:lnSpc>
         <a:spcBef>
-          <a:spcPts val="600"/>
+          <a:spcPts val="0"/>
         </a:spcBef>
         <a:spcAft>
           <a:spcPts val="0"/>
@@ -927,7 +919,7 @@
           <a:spcPct val="100000"/>
         </a:lnSpc>
         <a:spcBef>
-          <a:spcPts val="600"/>
+          <a:spcPts val="0"/>
         </a:spcBef>
         <a:spcAft>
           <a:spcPts val="0"/>
@@ -960,7 +952,7 @@
           <a:spcPct val="100000"/>
         </a:lnSpc>
         <a:spcBef>
-          <a:spcPts val="600"/>
+          <a:spcPts val="0"/>
         </a:spcBef>
         <a:spcAft>
           <a:spcPts val="0"/>
@@ -993,7 +985,7 @@
           <a:spcPct val="100000"/>
         </a:lnSpc>
         <a:spcBef>
-          <a:spcPts val="600"/>
+          <a:spcPts val="0"/>
         </a:spcBef>
         <a:spcAft>
           <a:spcPts val="0"/>
@@ -1026,7 +1018,7 @@
           <a:spcPct val="100000"/>
         </a:lnSpc>
         <a:spcBef>
-          <a:spcPts val="600"/>
+          <a:spcPts val="0"/>
         </a:spcBef>
         <a:spcAft>
           <a:spcPts val="0"/>
@@ -1059,7 +1051,7 @@
           <a:spcPct val="100000"/>
         </a:lnSpc>
         <a:spcBef>
-          <a:spcPts val="600"/>
+          <a:spcPts val="0"/>
         </a:spcBef>
         <a:spcAft>
           <a:spcPts val="0"/>
@@ -1092,7 +1084,7 @@
           <a:spcPct val="100000"/>
         </a:lnSpc>
         <a:spcBef>
-          <a:spcPts val="600"/>
+          <a:spcPts val="0"/>
         </a:spcBef>
         <a:spcAft>
           <a:spcPts val="0"/>
@@ -1125,7 +1117,7 @@
           <a:spcPct val="100000"/>
         </a:lnSpc>
         <a:spcBef>
-          <a:spcPts val="600"/>
+          <a:spcPts val="0"/>
         </a:spcBef>
         <a:spcAft>
           <a:spcPts val="0"/>
@@ -1158,7 +1150,7 @@
           <a:spcPct val="100000"/>
         </a:lnSpc>
         <a:spcBef>
-          <a:spcPts val="600"/>
+          <a:spcPts val="0"/>
         </a:spcBef>
         <a:spcAft>
           <a:spcPts val="0"/>
@@ -1190,10 +1182,10 @@
     <p:bodyStyle>
       <a:lvl1pPr marL="0" marR="0" indent="0" algn="ctr" defTabSz="1828800" rtl="0" latinLnBrk="0">
         <a:lnSpc>
-          <a:spcPct val="160000"/>
+          <a:spcPts val="16000"/>
         </a:lnSpc>
         <a:spcBef>
-          <a:spcPts val="600"/>
+          <a:spcPts val="0"/>
         </a:spcBef>
         <a:spcAft>
           <a:spcPts val="0"/>
@@ -1221,12 +1213,12 @@
           <a:sym typeface="나눔바른고딕"/>
         </a:defRPr>
       </a:lvl1pPr>
-      <a:lvl2pPr marL="0" marR="0" indent="228600" algn="ctr" defTabSz="1828800" rtl="0" latinLnBrk="0">
+      <a:lvl2pPr marL="0" marR="0" indent="0" algn="ctr" defTabSz="1828800" rtl="0" latinLnBrk="0">
         <a:lnSpc>
-          <a:spcPct val="160000"/>
+          <a:spcPts val="16000"/>
         </a:lnSpc>
         <a:spcBef>
-          <a:spcPts val="600"/>
+          <a:spcPts val="0"/>
         </a:spcBef>
         <a:spcAft>
           <a:spcPts val="0"/>
@@ -1254,12 +1246,12 @@
           <a:sym typeface="나눔바른고딕"/>
         </a:defRPr>
       </a:lvl2pPr>
-      <a:lvl3pPr marL="0" marR="0" indent="457200" algn="ctr" defTabSz="1828800" rtl="0" latinLnBrk="0">
+      <a:lvl3pPr marL="0" marR="0" indent="0" algn="ctr" defTabSz="1828800" rtl="0" latinLnBrk="0">
         <a:lnSpc>
-          <a:spcPct val="160000"/>
+          <a:spcPts val="16000"/>
         </a:lnSpc>
         <a:spcBef>
-          <a:spcPts val="600"/>
+          <a:spcPts val="0"/>
         </a:spcBef>
         <a:spcAft>
           <a:spcPts val="0"/>
@@ -1287,12 +1279,12 @@
           <a:sym typeface="나눔바른고딕"/>
         </a:defRPr>
       </a:lvl3pPr>
-      <a:lvl4pPr marL="0" marR="0" indent="685800" algn="ctr" defTabSz="1828800" rtl="0" latinLnBrk="0">
+      <a:lvl4pPr marL="0" marR="0" indent="0" algn="ctr" defTabSz="1828800" rtl="0" latinLnBrk="0">
         <a:lnSpc>
-          <a:spcPct val="160000"/>
+          <a:spcPts val="16000"/>
         </a:lnSpc>
         <a:spcBef>
-          <a:spcPts val="600"/>
+          <a:spcPts val="0"/>
         </a:spcBef>
         <a:spcAft>
           <a:spcPts val="0"/>
@@ -1320,12 +1312,12 @@
           <a:sym typeface="나눔바른고딕"/>
         </a:defRPr>
       </a:lvl4pPr>
-      <a:lvl5pPr marL="0" marR="0" indent="914400" algn="ctr" defTabSz="1828800" rtl="0" latinLnBrk="0">
+      <a:lvl5pPr marL="0" marR="0" indent="0" algn="ctr" defTabSz="1828800" rtl="0" latinLnBrk="0">
         <a:lnSpc>
-          <a:spcPct val="160000"/>
+          <a:spcPts val="16000"/>
         </a:lnSpc>
         <a:spcBef>
-          <a:spcPts val="600"/>
+          <a:spcPts val="0"/>
         </a:spcBef>
         <a:spcAft>
           <a:spcPts val="0"/>
@@ -1353,12 +1345,12 @@
           <a:sym typeface="나눔바른고딕"/>
         </a:defRPr>
       </a:lvl5pPr>
-      <a:lvl6pPr marL="0" marR="0" indent="1143000" algn="ctr" defTabSz="1828800" rtl="0" latinLnBrk="0">
+      <a:lvl6pPr marL="0" marR="0" indent="0" algn="ctr" defTabSz="1828800" rtl="0" latinLnBrk="0">
         <a:lnSpc>
-          <a:spcPct val="160000"/>
+          <a:spcPts val="16000"/>
         </a:lnSpc>
         <a:spcBef>
-          <a:spcPts val="600"/>
+          <a:spcPts val="0"/>
         </a:spcBef>
         <a:spcAft>
           <a:spcPts val="0"/>
@@ -1386,12 +1378,12 @@
           <a:sym typeface="나눔바른고딕"/>
         </a:defRPr>
       </a:lvl6pPr>
-      <a:lvl7pPr marL="0" marR="0" indent="1371600" algn="ctr" defTabSz="1828800" rtl="0" latinLnBrk="0">
+      <a:lvl7pPr marL="0" marR="0" indent="0" algn="ctr" defTabSz="1828800" rtl="0" latinLnBrk="0">
         <a:lnSpc>
-          <a:spcPct val="160000"/>
+          <a:spcPts val="16000"/>
         </a:lnSpc>
         <a:spcBef>
-          <a:spcPts val="600"/>
+          <a:spcPts val="0"/>
         </a:spcBef>
         <a:spcAft>
           <a:spcPts val="0"/>
@@ -1419,12 +1411,12 @@
           <a:sym typeface="나눔바른고딕"/>
         </a:defRPr>
       </a:lvl7pPr>
-      <a:lvl8pPr marL="0" marR="0" indent="1600200" algn="ctr" defTabSz="1828800" rtl="0" latinLnBrk="0">
+      <a:lvl8pPr marL="0" marR="0" indent="0" algn="ctr" defTabSz="1828800" rtl="0" latinLnBrk="0">
         <a:lnSpc>
-          <a:spcPct val="160000"/>
+          <a:spcPts val="16000"/>
         </a:lnSpc>
         <a:spcBef>
-          <a:spcPts val="600"/>
+          <a:spcPts val="0"/>
         </a:spcBef>
         <a:spcAft>
           <a:spcPts val="0"/>
@@ -1452,12 +1444,12 @@
           <a:sym typeface="나눔바른고딕"/>
         </a:defRPr>
       </a:lvl8pPr>
-      <a:lvl9pPr marL="0" marR="0" indent="1828800" algn="ctr" defTabSz="1828800" rtl="0" latinLnBrk="0">
+      <a:lvl9pPr marL="0" marR="0" indent="0" algn="ctr" defTabSz="1828800" rtl="0" latinLnBrk="0">
         <a:lnSpc>
-          <a:spcPct val="160000"/>
+          <a:spcPts val="16000"/>
         </a:lnSpc>
         <a:spcBef>
-          <a:spcPts val="600"/>
+          <a:spcPts val="0"/>
         </a:spcBef>
         <a:spcAft>
           <a:spcPts val="0"/>
@@ -1513,7 +1505,7 @@
           <a:sym typeface="나눔바른고딕"/>
         </a:defRPr>
       </a:lvl1pPr>
-      <a:lvl2pPr marL="0" marR="0" indent="228600" algn="ctr" defTabSz="914400" rtl="0" latinLnBrk="0">
+      <a:lvl2pPr marL="0" marR="0" indent="0" algn="ctr" defTabSz="914400" rtl="0" latinLnBrk="0">
         <a:lnSpc>
           <a:spcPct val="100000"/>
         </a:lnSpc>
@@ -1539,7 +1531,7 @@
           <a:sym typeface="나눔바른고딕"/>
         </a:defRPr>
       </a:lvl2pPr>
-      <a:lvl3pPr marL="0" marR="0" indent="457200" algn="ctr" defTabSz="914400" rtl="0" latinLnBrk="0">
+      <a:lvl3pPr marL="0" marR="0" indent="0" algn="ctr" defTabSz="914400" rtl="0" latinLnBrk="0">
         <a:lnSpc>
           <a:spcPct val="100000"/>
         </a:lnSpc>
@@ -1565,7 +1557,7 @@
           <a:sym typeface="나눔바른고딕"/>
         </a:defRPr>
       </a:lvl3pPr>
-      <a:lvl4pPr marL="0" marR="0" indent="685800" algn="ctr" defTabSz="914400" rtl="0" latinLnBrk="0">
+      <a:lvl4pPr marL="0" marR="0" indent="0" algn="ctr" defTabSz="914400" rtl="0" latinLnBrk="0">
         <a:lnSpc>
           <a:spcPct val="100000"/>
         </a:lnSpc>
@@ -1591,7 +1583,7 @@
           <a:sym typeface="나눔바른고딕"/>
         </a:defRPr>
       </a:lvl4pPr>
-      <a:lvl5pPr marL="0" marR="0" indent="914400" algn="ctr" defTabSz="914400" rtl="0" latinLnBrk="0">
+      <a:lvl5pPr marL="0" marR="0" indent="0" algn="ctr" defTabSz="914400" rtl="0" latinLnBrk="0">
         <a:lnSpc>
           <a:spcPct val="100000"/>
         </a:lnSpc>
@@ -1617,7 +1609,7 @@
           <a:sym typeface="나눔바른고딕"/>
         </a:defRPr>
       </a:lvl5pPr>
-      <a:lvl6pPr marL="0" marR="0" indent="1143000" algn="ctr" defTabSz="914400" rtl="0" latinLnBrk="0">
+      <a:lvl6pPr marL="0" marR="0" indent="0" algn="ctr" defTabSz="914400" rtl="0" latinLnBrk="0">
         <a:lnSpc>
           <a:spcPct val="100000"/>
         </a:lnSpc>
@@ -1643,7 +1635,7 @@
           <a:sym typeface="나눔바른고딕"/>
         </a:defRPr>
       </a:lvl6pPr>
-      <a:lvl7pPr marL="0" marR="0" indent="1371600" algn="ctr" defTabSz="914400" rtl="0" latinLnBrk="0">
+      <a:lvl7pPr marL="0" marR="0" indent="0" algn="ctr" defTabSz="914400" rtl="0" latinLnBrk="0">
         <a:lnSpc>
           <a:spcPct val="100000"/>
         </a:lnSpc>
@@ -1669,7 +1661,7 @@
           <a:sym typeface="나눔바른고딕"/>
         </a:defRPr>
       </a:lvl7pPr>
-      <a:lvl8pPr marL="0" marR="0" indent="1600200" algn="ctr" defTabSz="914400" rtl="0" latinLnBrk="0">
+      <a:lvl8pPr marL="0" marR="0" indent="0" algn="ctr" defTabSz="914400" rtl="0" latinLnBrk="0">
         <a:lnSpc>
           <a:spcPct val="100000"/>
         </a:lnSpc>
@@ -1695,7 +1687,7 @@
           <a:sym typeface="나눔바른고딕"/>
         </a:defRPr>
       </a:lvl8pPr>
-      <a:lvl9pPr marL="0" marR="0" indent="1828800" algn="ctr" defTabSz="914400" rtl="0" latinLnBrk="0">
+      <a:lvl9pPr marL="0" marR="0" indent="0" algn="ctr" defTabSz="914400" rtl="0" latinLnBrk="0">
         <a:lnSpc>
           <a:spcPct val="100000"/>
         </a:lnSpc>
@@ -2058,10 +2050,10 @@
       <a:lstStyle>
         <a:defPPr marL="0" marR="0" indent="0" algn="ctr" defTabSz="1828800" rtl="0" fontAlgn="auto" latinLnBrk="0" hangingPunct="0">
           <a:lnSpc>
-            <a:spcPct val="160000"/>
-          </a:lnSpc>
-          <a:spcBef>
-            <a:spcPts val="600"/>
+            <a:spcPts val="16000"/>
+          </a:lnSpc>
+          <a:spcBef>
+            <a:spcPts val="0"/>
           </a:spcBef>
           <a:spcAft>
             <a:spcPts val="0"/>
@@ -2641,10 +2633,10 @@
       <a:lstStyle>
         <a:defPPr marL="0" marR="0" indent="0" algn="ctr" defTabSz="1828800" rtl="0" fontAlgn="auto" latinLnBrk="0" hangingPunct="0">
           <a:lnSpc>
-            <a:spcPct val="160000"/>
-          </a:lnSpc>
-          <a:spcBef>
-            <a:spcPts val="600"/>
+            <a:spcPts val="16000"/>
+          </a:lnSpc>
+          <a:spcBef>
+            <a:spcPts val="0"/>
           </a:spcBef>
           <a:spcAft>
             <a:spcPts val="0"/>
@@ -3154,10 +3146,10 @@
       <a:lstStyle>
         <a:defPPr marL="0" marR="0" indent="0" algn="ctr" defTabSz="1828800" rtl="0" fontAlgn="auto" latinLnBrk="0" hangingPunct="0">
           <a:lnSpc>
-            <a:spcPct val="160000"/>
-          </a:lnSpc>
-          <a:spcBef>
-            <a:spcPts val="600"/>
+            <a:spcPts val="16000"/>
+          </a:lnSpc>
+          <a:spcBef>
+            <a:spcPts val="0"/>
           </a:spcBef>
           <a:spcAft>
             <a:spcPts val="0"/>
@@ -3737,10 +3729,10 @@
       <a:lstStyle>
         <a:defPPr marL="0" marR="0" indent="0" algn="ctr" defTabSz="1828800" rtl="0" fontAlgn="auto" latinLnBrk="0" hangingPunct="0">
           <a:lnSpc>
-            <a:spcPct val="160000"/>
-          </a:lnSpc>
-          <a:spcBef>
-            <a:spcPts val="600"/>
+            <a:spcPts val="16000"/>
+          </a:lnSpc>
+          <a:spcBef>
+            <a:spcPts val="0"/>
           </a:spcBef>
           <a:spcAft>
             <a:spcPts val="0"/>
